--- a/Slides/Lesson 9.3 Static Program Analysis.pptx
+++ b/Slides/Lesson 9.3 Static Program Analysis.pptx
@@ -5,7 +5,7 @@
     <p:sldMasterId id="2147483648" r:id="rId1"/>
   </p:sldMasterIdLst>
   <p:notesMasterIdLst>
-    <p:notesMasterId r:id="rId20"/>
+    <p:notesMasterId r:id="rId19"/>
   </p:notesMasterIdLst>
   <p:sldIdLst>
     <p:sldId id="256" r:id="rId2"/>
@@ -25,28 +25,27 @@
     <p:sldId id="407" r:id="rId16"/>
     <p:sldId id="408" r:id="rId17"/>
     <p:sldId id="376" r:id="rId18"/>
-    <p:sldId id="298" r:id="rId19"/>
   </p:sldIdLst>
   <p:sldSz cx="12192000" cy="6858000"/>
   <p:notesSz cx="6858000" cy="9144000"/>
   <p:embeddedFontLst>
     <p:embeddedFont>
       <p:font typeface="Calibri" panose="020F0502020204030204" pitchFamily="34" charset="0"/>
-      <p:regular r:id="rId21"/>
-      <p:bold r:id="rId22"/>
-      <p:italic r:id="rId23"/>
-      <p:boldItalic r:id="rId24"/>
+      <p:regular r:id="rId20"/>
+      <p:bold r:id="rId21"/>
+      <p:italic r:id="rId22"/>
+      <p:boldItalic r:id="rId23"/>
     </p:embeddedFont>
     <p:embeddedFont>
       <p:font typeface="Ink Free" panose="03080402000500000000" pitchFamily="66" charset="0"/>
-      <p:regular r:id="rId25"/>
+      <p:regular r:id="rId24"/>
     </p:embeddedFont>
     <p:embeddedFont>
       <p:font typeface="Verdana" panose="020B0604030504040204" pitchFamily="34" charset="0"/>
-      <p:regular r:id="rId26"/>
-      <p:bold r:id="rId27"/>
-      <p:italic r:id="rId28"/>
-      <p:boldItalic r:id="rId29"/>
+      <p:regular r:id="rId25"/>
+      <p:bold r:id="rId26"/>
+      <p:italic r:id="rId27"/>
+      <p:boldItalic r:id="rId28"/>
     </p:embeddedFont>
   </p:embeddedFontLst>
   <p:defaultTextStyle>
@@ -3905,7 +3904,7 @@
           <a:p>
             <a:fld id="{7C7E5181-6CF5-45F7-A87A-E0E0B1FD7549}" type="datetimeFigureOut">
               <a:rPr lang="en-US" smtClean="0"/>
-              <a:t>3/15/22</a:t>
+              <a:t>3/20/22</a:t>
             </a:fld>
             <a:endParaRPr lang="en-US"/>
           </a:p>
@@ -4328,7 +4327,7 @@
           <a:p>
             <a:fld id="{5D2A64DE-480B-420F-9649-4F8E696E08E0}" type="datetime1">
               <a:rPr lang="en-US" smtClean="0"/>
-              <a:t>3/15/22</a:t>
+              <a:t>3/20/22</a:t>
             </a:fld>
             <a:endParaRPr lang="en-US"/>
           </a:p>
@@ -4562,7 +4561,7 @@
           <a:p>
             <a:fld id="{0D3616D0-8311-4107-9726-6B805E7D05BA}" type="datetime1">
               <a:rPr lang="en-US" smtClean="0"/>
-              <a:t>3/15/22</a:t>
+              <a:t>3/20/22</a:t>
             </a:fld>
             <a:endParaRPr lang="en-US"/>
           </a:p>
@@ -4770,7 +4769,7 @@
           <a:p>
             <a:fld id="{3BC2557A-5C88-417A-A763-5AC779462A5F}" type="datetime1">
               <a:rPr lang="en-US" smtClean="0"/>
-              <a:t>3/15/22</a:t>
+              <a:t>3/20/22</a:t>
             </a:fld>
             <a:endParaRPr lang="en-US"/>
           </a:p>
@@ -5300,7 +5299,7 @@
           <a:p>
             <a:fld id="{07C7BFD4-467E-4EDE-93EA-052F5B39A4E5}" type="datetime1">
               <a:rPr lang="en-US" smtClean="0"/>
-              <a:t>3/15/22</a:t>
+              <a:t>3/20/22</a:t>
             </a:fld>
             <a:endParaRPr lang="en-US"/>
           </a:p>
@@ -5614,7 +5613,7 @@
           <a:p>
             <a:fld id="{A533CBE2-D5BE-47AC-ADC2-9CDFC1D0CF90}" type="datetime1">
               <a:rPr lang="en-US" smtClean="0"/>
-              <a:t>3/15/22</a:t>
+              <a:t>3/20/22</a:t>
             </a:fld>
             <a:endParaRPr lang="en-US"/>
           </a:p>
@@ -5917,7 +5916,7 @@
           <a:p>
             <a:fld id="{39B7EDB1-CE74-4951-85A2-0B01C2128E28}" type="datetime1">
               <a:rPr lang="en-US" smtClean="0"/>
-              <a:t>3/15/22</a:t>
+              <a:t>3/20/22</a:t>
             </a:fld>
             <a:endParaRPr lang="en-US"/>
           </a:p>
@@ -6366,7 +6365,7 @@
           <a:p>
             <a:fld id="{2BC7EB92-A5C2-4807-A9DC-9EDE6CBFB241}" type="datetime1">
               <a:rPr lang="en-US" smtClean="0"/>
-              <a:t>3/15/22</a:t>
+              <a:t>3/20/22</a:t>
             </a:fld>
             <a:endParaRPr lang="en-US"/>
           </a:p>
@@ -6513,7 +6512,7 @@
           <a:p>
             <a:fld id="{109E55A0-C911-4F03-82FC-7E5926047D46}" type="datetime1">
               <a:rPr lang="en-US" smtClean="0"/>
-              <a:t>3/15/22</a:t>
+              <a:t>3/20/22</a:t>
             </a:fld>
             <a:endParaRPr lang="en-US"/>
           </a:p>
@@ -6662,7 +6661,7 @@
           <a:p>
             <a:fld id="{2B7B7EE0-7771-4CD5-9B2B-3550753A54A1}" type="datetime1">
               <a:rPr lang="en-US" smtClean="0"/>
-              <a:t>3/15/22</a:t>
+              <a:t>3/20/22</a:t>
             </a:fld>
             <a:endParaRPr lang="en-US"/>
           </a:p>
@@ -6973,7 +6972,7 @@
           <a:p>
             <a:fld id="{F8B318B3-0E87-4416-A9B8-D891968C2727}" type="datetime1">
               <a:rPr lang="en-US" smtClean="0"/>
-              <a:t>3/15/22</a:t>
+              <a:t>3/20/22</a:t>
             </a:fld>
             <a:endParaRPr lang="en-US"/>
           </a:p>
@@ -7264,7 +7263,7 @@
           <a:p>
             <a:fld id="{EA476A42-A091-4468-A075-64A31BE59948}" type="datetime1">
               <a:rPr lang="en-US" smtClean="0"/>
-              <a:t>3/15/22</a:t>
+              <a:t>3/20/22</a:t>
             </a:fld>
             <a:endParaRPr lang="en-US"/>
           </a:p>
@@ -7507,7 +7506,7 @@
           <a:p>
             <a:fld id="{54D997E8-DDEE-43F1-8D9B-F8A1E11DE488}" type="datetime1">
               <a:rPr lang="en-US" smtClean="0"/>
-              <a:t>3/15/22</a:t>
+              <a:t>3/20/22</a:t>
             </a:fld>
             <a:endParaRPr lang="en-US"/>
           </a:p>
@@ -7954,7 +7953,7 @@
               <a:rPr lang="en-US" altLang="en-US" sz="3200" dirty="0">
                 <a:sym typeface="Helvetica Neue" charset="0"/>
               </a:rPr>
-              <a:t>CS 4350: Fundamentals of Software Engineering</a:t>
+              <a:t>CS 4530: Fundamentals of Software Engineering</a:t>
             </a:r>
             <a:br>
               <a:rPr lang="en-US" altLang="en-US" sz="3200" dirty="0">
@@ -11180,131 +11179,6 @@
     <p:extLst>
       <p:ext uri="{BB962C8B-B14F-4D97-AF65-F5344CB8AC3E}">
         <p14:creationId xmlns:p14="http://schemas.microsoft.com/office/powerpoint/2010/main" val="2643922941"/>
-      </p:ext>
-    </p:extLst>
-  </p:cSld>
-  <p:clrMapOvr>
-    <a:masterClrMapping/>
-  </p:clrMapOvr>
-</p:sld>
-</file>
-
-<file path=ppt/slides/slide18.xml><?xml version="1.0" encoding="utf-8"?>
-<p:sld xmlns:a="http://schemas.openxmlformats.org/drawingml/2006/main" xmlns:r="http://schemas.openxmlformats.org/officeDocument/2006/relationships" xmlns:p="http://schemas.openxmlformats.org/presentationml/2006/main">
-  <p:cSld>
-    <p:spTree>
-      <p:nvGrpSpPr>
-        <p:cNvPr id="1" name=""/>
-        <p:cNvGrpSpPr/>
-        <p:nvPr/>
-      </p:nvGrpSpPr>
-      <p:grpSpPr>
-        <a:xfrm>
-          <a:off x="0" y="0"/>
-          <a:ext cx="0" cy="0"/>
-          <a:chOff x="0" y="0"/>
-          <a:chExt cx="0" cy="0"/>
-        </a:xfrm>
-      </p:grpSpPr>
-      <p:sp>
-        <p:nvSpPr>
-          <p:cNvPr id="2" name="Title 1">
-            <a:extLst>
-              <a:ext uri="{FF2B5EF4-FFF2-40B4-BE49-F238E27FC236}">
-                <a16:creationId xmlns:a16="http://schemas.microsoft.com/office/drawing/2014/main" id="{7EB782C9-1CF8-40AE-A725-0968E5F17117}"/>
-              </a:ext>
-            </a:extLst>
-          </p:cNvPr>
-          <p:cNvSpPr>
-            <a:spLocks noGrp="1"/>
-          </p:cNvSpPr>
-          <p:nvPr>
-            <p:ph type="title"/>
-          </p:nvPr>
-        </p:nvSpPr>
-        <p:spPr/>
-        <p:txBody>
-          <a:bodyPr/>
-          <a:lstStyle/>
-          <a:p>
-            <a:r>
-              <a:rPr lang="en-US" dirty="0">
-                <a:solidFill>
-                  <a:srgbClr val="0070C0"/>
-                </a:solidFill>
-              </a:rPr>
-              <a:t>Next steps...</a:t>
-            </a:r>
-          </a:p>
-        </p:txBody>
-      </p:sp>
-      <p:sp>
-        <p:nvSpPr>
-          <p:cNvPr id="4" name="Text Placeholder 3">
-            <a:extLst>
-              <a:ext uri="{FF2B5EF4-FFF2-40B4-BE49-F238E27FC236}">
-                <a16:creationId xmlns:a16="http://schemas.microsoft.com/office/drawing/2014/main" id="{219D61F8-F8AD-4DBB-8160-3A2A2DFCA287}"/>
-              </a:ext>
-            </a:extLst>
-          </p:cNvPr>
-          <p:cNvSpPr>
-            <a:spLocks noGrp="1"/>
-          </p:cNvSpPr>
-          <p:nvPr>
-            <p:ph idx="1"/>
-          </p:nvPr>
-        </p:nvSpPr>
-        <p:spPr/>
-        <p:txBody>
-          <a:bodyPr/>
-          <a:lstStyle/>
-          <a:p>
-            <a:r>
-              <a:rPr lang="en-US" dirty="0"/>
-              <a:t>In our next lesson, we'll talk about Code Smells and Refactoring.</a:t>
-            </a:r>
-          </a:p>
-        </p:txBody>
-      </p:sp>
-      <p:sp>
-        <p:nvSpPr>
-          <p:cNvPr id="3" name="Slide Number Placeholder 2">
-            <a:extLst>
-              <a:ext uri="{FF2B5EF4-FFF2-40B4-BE49-F238E27FC236}">
-                <a16:creationId xmlns:a16="http://schemas.microsoft.com/office/drawing/2014/main" id="{E8071048-C09E-4AA0-A373-2A42FFDB91FE}"/>
-              </a:ext>
-            </a:extLst>
-          </p:cNvPr>
-          <p:cNvSpPr>
-            <a:spLocks noGrp="1"/>
-          </p:cNvSpPr>
-          <p:nvPr>
-            <p:ph type="sldNum" sz="quarter" idx="12"/>
-          </p:nvPr>
-        </p:nvSpPr>
-        <p:spPr/>
-        <p:txBody>
-          <a:bodyPr/>
-          <a:lstStyle/>
-          <a:p>
-            <a:pPr defTabSz="547695">
-              <a:defRPr/>
-            </a:pPr>
-            <a:fld id="{86CB4B4D-7CA3-9044-876B-883B54F8677D}" type="slidenum">
-              <a:rPr lang="en-US" smtClean="0"/>
-              <a:pPr defTabSz="547695">
-                <a:defRPr/>
-              </a:pPr>
-              <a:t>18</a:t>
-            </a:fld>
-            <a:endParaRPr lang="en-US"/>
-          </a:p>
-        </p:txBody>
-      </p:sp>
-    </p:spTree>
-    <p:extLst>
-      <p:ext uri="{BB962C8B-B14F-4D97-AF65-F5344CB8AC3E}">
-        <p14:creationId xmlns:p14="http://schemas.microsoft.com/office/powerpoint/2010/main" val="743338977"/>
       </p:ext>
     </p:extLst>
   </p:cSld>
@@ -12183,24 +12057,17 @@
             </a:r>
           </a:p>
           <a:p>
+            <a:pPr lvl="1"/>
+            <a:r>
+              <a:rPr lang="en-US" dirty="0"/>
+              <a:t>Explain good uses for static analyzers</a:t>
+            </a:r>
+          </a:p>
+          <a:p>
             <a:pPr lvl="1" fontAlgn="base"/>
             <a:r>
               <a:rPr lang="en-US" dirty="0"/>
-              <a:t>List challenges preventing full verification;</a:t>
-            </a:r>
-          </a:p>
-          <a:p>
-            <a:pPr lvl="1" fontAlgn="base"/>
-            <a:r>
-              <a:rPr lang="en-US" dirty="0"/>
-              <a:t>Define false/true negatives/positives;</a:t>
-            </a:r>
-          </a:p>
-          <a:p>
-            <a:pPr lvl="1" fontAlgn="base"/>
-            <a:r>
-              <a:rPr lang="en-US" dirty="0"/>
-              <a:t>Variously describe the effects of false positives and negatives;</a:t>
+              <a:t>List limitations of static analyzers</a:t>
             </a:r>
           </a:p>
           <a:p>
@@ -13028,7 +12895,7 @@
                             </p:stCondLst>
                             <p:childTnLst>
                               <p:par>
-                                <p:cTn id="15" presetID="3" presetClass="entr" presetSubtype="10" fill="hold" grpId="1" nodeType="clickEffect">
+                                <p:cTn id="15" presetID="3" presetClass="entr" presetSubtype="10" fill="hold" grpId="0" nodeType="clickEffect">
                                   <p:stCondLst>
                                     <p:cond delay="0"/>
                                   </p:stCondLst>
@@ -13091,7 +12958,7 @@
     </p:tnLst>
     <p:bldLst>
       <p:bldP spid="6" grpId="0" animBg="1"/>
-      <p:bldP spid="5" grpId="1" animBg="1"/>
+      <p:bldP spid="5" grpId="0" animBg="1"/>
       <p:bldP spid="7" grpId="0" animBg="1"/>
     </p:bldLst>
   </p:timing>
